--- a/ppt/algorithmic_data_analysis_in_python.pptx
+++ b/ppt/algorithmic_data_analysis_in_python.pptx
@@ -996,7 +996,7 @@
           <a:p>
             <a:fld id="{C77F2956-BBF5-9D45-8E79-203ACFAE66A8}" type="datetimeFigureOut">
               <a:rPr lang="en-US" smtClean="0"/>
-              <a:t>11/27/19</a:t>
+              <a:t>12/25/19</a:t>
             </a:fld>
             <a:endParaRPr lang="en-US"/>
           </a:p>
@@ -1176,7 +1176,7 @@
           <a:p>
             <a:fld id="{C77F2956-BBF5-9D45-8E79-203ACFAE66A8}" type="datetimeFigureOut">
               <a:rPr lang="en-US" smtClean="0"/>
-              <a:t>11/27/19</a:t>
+              <a:t>12/25/19</a:t>
             </a:fld>
             <a:endParaRPr lang="en-US"/>
           </a:p>
@@ -2838,7 +2838,7 @@
           <a:p>
             <a:fld id="{C77F2956-BBF5-9D45-8E79-203ACFAE66A8}" type="datetimeFigureOut">
               <a:rPr lang="en-US" smtClean="0"/>
-              <a:t>11/27/19</a:t>
+              <a:t>12/25/19</a:t>
             </a:fld>
             <a:endParaRPr lang="en-US"/>
           </a:p>
@@ -3084,7 +3084,7 @@
           <a:p>
             <a:fld id="{C77F2956-BBF5-9D45-8E79-203ACFAE66A8}" type="datetimeFigureOut">
               <a:rPr lang="en-US" smtClean="0"/>
-              <a:t>11/27/19</a:t>
+              <a:t>12/25/19</a:t>
             </a:fld>
             <a:endParaRPr lang="en-US"/>
           </a:p>
@@ -3421,7 +3421,7 @@
           <a:p>
             <a:fld id="{C77F2956-BBF5-9D45-8E79-203ACFAE66A8}" type="datetimeFigureOut">
               <a:rPr lang="en-US" smtClean="0"/>
-              <a:t>11/27/19</a:t>
+              <a:t>12/25/19</a:t>
             </a:fld>
             <a:endParaRPr lang="en-US"/>
           </a:p>
@@ -3892,7 +3892,7 @@
           <a:p>
             <a:fld id="{C77F2956-BBF5-9D45-8E79-203ACFAE66A8}" type="datetimeFigureOut">
               <a:rPr lang="en-US" smtClean="0"/>
-              <a:t>11/27/19</a:t>
+              <a:t>12/25/19</a:t>
             </a:fld>
             <a:endParaRPr lang="en-US"/>
           </a:p>
@@ -4059,7 +4059,7 @@
           <a:p>
             <a:fld id="{C77F2956-BBF5-9D45-8E79-203ACFAE66A8}" type="datetimeFigureOut">
               <a:rPr lang="en-US" smtClean="0"/>
-              <a:t>11/27/19</a:t>
+              <a:t>12/25/19</a:t>
             </a:fld>
             <a:endParaRPr lang="en-US"/>
           </a:p>
@@ -4154,7 +4154,7 @@
           <a:p>
             <a:fld id="{C77F2956-BBF5-9D45-8E79-203ACFAE66A8}" type="datetimeFigureOut">
               <a:rPr lang="en-US" smtClean="0"/>
-              <a:t>11/27/19</a:t>
+              <a:t>12/25/19</a:t>
             </a:fld>
             <a:endParaRPr lang="en-US"/>
           </a:p>
@@ -4431,7 +4431,7 @@
           <a:p>
             <a:fld id="{C77F2956-BBF5-9D45-8E79-203ACFAE66A8}" type="datetimeFigureOut">
               <a:rPr lang="en-US" smtClean="0"/>
-              <a:t>11/27/19</a:t>
+              <a:t>12/25/19</a:t>
             </a:fld>
             <a:endParaRPr lang="en-US"/>
           </a:p>
@@ -4684,7 +4684,7 @@
           <a:p>
             <a:fld id="{C77F2956-BBF5-9D45-8E79-203ACFAE66A8}" type="datetimeFigureOut">
               <a:rPr lang="en-US" smtClean="0"/>
-              <a:t>11/27/19</a:t>
+              <a:t>12/25/19</a:t>
             </a:fld>
             <a:endParaRPr lang="en-US"/>
           </a:p>
@@ -4897,7 +4897,7 @@
           <a:p>
             <a:fld id="{C77F2956-BBF5-9D45-8E79-203ACFAE66A8}" type="datetimeFigureOut">
               <a:rPr lang="en-US" smtClean="0"/>
-              <a:t>11/27/19</a:t>
+              <a:t>12/25/19</a:t>
             </a:fld>
             <a:endParaRPr lang="en-US"/>
           </a:p>
@@ -5339,15 +5339,7 @@
                   <a:srgbClr val="000000"/>
                 </a:solidFill>
               </a:rPr>
-              <a:t>Analysis Library </a:t>
-            </a:r>
-            <a:r>
-              <a:rPr lang="en-US" sz="2000" dirty="0" smtClean="0">
-                <a:solidFill>
-                  <a:srgbClr val="000000"/>
-                </a:solidFill>
-              </a:rPr>
-              <a:t>In Python</a:t>
+              <a:t>Analysis Library In Python</a:t>
             </a:r>
             <a:endParaRPr lang="en-US" sz="2000" dirty="0">
               <a:solidFill>
@@ -5583,7 +5575,7 @@
           <p:nvPr>
             <p:extLst>
               <p:ext uri="{D42A27DB-BD31-4B8C-83A1-F6EECF244321}">
-                <p14:modId xmlns:p14="http://schemas.microsoft.com/office/powerpoint/2010/main" val="3234912623"/>
+                <p14:modId xmlns:p14="http://schemas.microsoft.com/office/powerpoint/2010/main" val="3852780643"/>
               </p:ext>
             </p:extLst>
           </p:nvPr>
@@ -5657,22 +5649,9 @@
                     <a:bodyPr/>
                     <a:lstStyle/>
                     <a:p>
-                      <a:pPr marL="285750" marR="0" indent="-285750" algn="l" defTabSz="457200" rtl="0" eaLnBrk="1" fontAlgn="auto" latinLnBrk="0" hangingPunct="1">
-                        <a:lnSpc>
-                          <a:spcPct val="100000"/>
-                        </a:lnSpc>
-                        <a:spcBef>
-                          <a:spcPts val="0"/>
-                        </a:spcBef>
-                        <a:spcAft>
-                          <a:spcPts val="0"/>
-                        </a:spcAft>
-                        <a:buClrTx/>
-                        <a:buSzTx/>
+                      <a:pPr marL="285750" indent="-285750" algn="l">
                         <a:buFont typeface="Wingdings" charset="2"/>
                         <a:buChar char="§"/>
-                        <a:tabLst/>
-                        <a:defRPr/>
                       </a:pPr>
                       <a:r>
                         <a:rPr lang="en-US" sz="1600" b="1" dirty="0" smtClean="0">
@@ -5680,8 +5659,13 @@
                             <a:srgbClr val="FF0000"/>
                           </a:solidFill>
                         </a:rPr>
-                        <a:t>Hash Tables</a:t>
+                        <a:t>Trees</a:t>
                       </a:r>
+                      <a:endParaRPr lang="en-US" sz="1600" b="1" dirty="0">
+                        <a:solidFill>
+                          <a:srgbClr val="FF0000"/>
+                        </a:solidFill>
+                      </a:endParaRPr>
                     </a:p>
                   </a:txBody>
                   <a:tcPr>
@@ -5775,152 +5759,6 @@
                         </a:rPr>
                         <a:t>Queues</a:t>
                       </a:r>
-                    </a:p>
-                  </a:txBody>
-                  <a:tcPr>
-                    <a:lnL w="12700" cmpd="sng">
-                      <a:noFill/>
-                    </a:lnL>
-                    <a:lnR w="12700" cmpd="sng">
-                      <a:noFill/>
-                    </a:lnR>
-                    <a:lnT w="12700" cmpd="sng">
-                      <a:noFill/>
-                    </a:lnT>
-                    <a:lnB w="12700" cmpd="sng">
-                      <a:noFill/>
-                    </a:lnB>
-                    <a:lnTlToBr w="12700" cmpd="sng">
-                      <a:noFill/>
-                      <a:prstDash val="solid"/>
-                    </a:lnTlToBr>
-                    <a:lnBlToTr w="12700" cmpd="sng">
-                      <a:noFill/>
-                      <a:prstDash val="solid"/>
-                    </a:lnBlToTr>
-                    <a:noFill/>
-                  </a:tcPr>
-                </a:tc>
-                <a:tc>
-                  <a:txBody>
-                    <a:bodyPr/>
-                    <a:lstStyle/>
-                    <a:p>
-                      <a:pPr marL="285750" indent="-285750" algn="l">
-                        <a:buFont typeface="Wingdings" charset="2"/>
-                        <a:buChar char="§"/>
-                      </a:pPr>
-                      <a:r>
-                        <a:rPr lang="en-US" sz="1600" b="1" dirty="0" smtClean="0">
-                          <a:solidFill>
-                            <a:srgbClr val="FF0000"/>
-                          </a:solidFill>
-                        </a:rPr>
-                        <a:t>Trees</a:t>
-                      </a:r>
-                      <a:endParaRPr lang="en-US" sz="1600" b="1" dirty="0">
-                        <a:solidFill>
-                          <a:srgbClr val="FF0000"/>
-                        </a:solidFill>
-                      </a:endParaRPr>
-                    </a:p>
-                  </a:txBody>
-                  <a:tcPr>
-                    <a:lnL w="12700" cmpd="sng">
-                      <a:noFill/>
-                    </a:lnL>
-                    <a:lnR w="12700" cmpd="sng">
-                      <a:noFill/>
-                    </a:lnR>
-                    <a:lnT w="12700" cmpd="sng">
-                      <a:noFill/>
-                    </a:lnT>
-                    <a:lnB w="12700" cmpd="sng">
-                      <a:noFill/>
-                    </a:lnB>
-                    <a:lnTlToBr w="12700" cmpd="sng">
-                      <a:noFill/>
-                      <a:prstDash val="solid"/>
-                    </a:lnTlToBr>
-                    <a:lnBlToTr w="12700" cmpd="sng">
-                      <a:noFill/>
-                      <a:prstDash val="solid"/>
-                    </a:lnBlToTr>
-                    <a:noFill/>
-                  </a:tcPr>
-                </a:tc>
-                <a:tc>
-                  <a:txBody>
-                    <a:bodyPr/>
-                    <a:lstStyle/>
-                    <a:p>
-                      <a:pPr marL="285750" indent="-285750">
-                        <a:buFont typeface="Wingdings" charset="2"/>
-                        <a:buChar char="§"/>
-                      </a:pPr>
-                      <a:r>
-                        <a:rPr lang="en-US" sz="1600" b="1" dirty="0" smtClean="0">
-                          <a:solidFill>
-                            <a:srgbClr val="FF0000"/>
-                          </a:solidFill>
-                        </a:rPr>
-                        <a:t>Searching</a:t>
-                      </a:r>
-                      <a:endParaRPr lang="en-US" sz="1600" b="1" dirty="0">
-                        <a:solidFill>
-                          <a:srgbClr val="FF0000"/>
-                        </a:solidFill>
-                      </a:endParaRPr>
-                    </a:p>
-                  </a:txBody>
-                  <a:tcPr>
-                    <a:lnL w="12700" cmpd="sng">
-                      <a:noFill/>
-                    </a:lnL>
-                    <a:lnR w="12700" cmpd="sng">
-                      <a:noFill/>
-                    </a:lnR>
-                    <a:lnT w="12700" cmpd="sng">
-                      <a:noFill/>
-                    </a:lnT>
-                    <a:lnB w="12700" cmpd="sng">
-                      <a:noFill/>
-                    </a:lnB>
-                    <a:lnTlToBr w="12700" cmpd="sng">
-                      <a:noFill/>
-                      <a:prstDash val="solid"/>
-                    </a:lnTlToBr>
-                    <a:lnBlToTr w="12700" cmpd="sng">
-                      <a:noFill/>
-                      <a:prstDash val="solid"/>
-                    </a:lnBlToTr>
-                    <a:noFill/>
-                  </a:tcPr>
-                </a:tc>
-              </a:tr>
-              <a:tr h="313580">
-                <a:tc>
-                  <a:txBody>
-                    <a:bodyPr/>
-                    <a:lstStyle/>
-                    <a:p>
-                      <a:pPr marL="285750" indent="-285750">
-                        <a:buFont typeface="Wingdings" charset="2"/>
-                        <a:buChar char="§"/>
-                      </a:pPr>
-                      <a:r>
-                        <a:rPr lang="en-US" sz="1600" b="1" dirty="0" smtClean="0">
-                          <a:solidFill>
-                            <a:srgbClr val="FF0000"/>
-                          </a:solidFill>
-                        </a:rPr>
-                        <a:t>Deques</a:t>
-                      </a:r>
-                      <a:endParaRPr lang="en-US" sz="1600" b="1" dirty="0">
-                        <a:solidFill>
-                          <a:srgbClr val="FF0000"/>
-                        </a:solidFill>
-                      </a:endParaRPr>
                     </a:p>
                   </a:txBody>
                   <a:tcPr>
@@ -5976,6 +5814,168 @@
                           </a:solidFill>
                         </a:rPr>
                         <a:t>Priority Queues</a:t>
+                      </a:r>
+                    </a:p>
+                  </a:txBody>
+                  <a:tcPr>
+                    <a:lnL w="12700" cmpd="sng">
+                      <a:noFill/>
+                    </a:lnL>
+                    <a:lnR w="12700" cmpd="sng">
+                      <a:noFill/>
+                    </a:lnR>
+                    <a:lnT w="12700" cmpd="sng">
+                      <a:noFill/>
+                    </a:lnT>
+                    <a:lnB w="12700" cmpd="sng">
+                      <a:noFill/>
+                    </a:lnB>
+                    <a:lnTlToBr w="12700" cmpd="sng">
+                      <a:noFill/>
+                      <a:prstDash val="solid"/>
+                    </a:lnTlToBr>
+                    <a:lnBlToTr w="12700" cmpd="sng">
+                      <a:noFill/>
+                      <a:prstDash val="solid"/>
+                    </a:lnBlToTr>
+                    <a:noFill/>
+                  </a:tcPr>
+                </a:tc>
+                <a:tc>
+                  <a:txBody>
+                    <a:bodyPr/>
+                    <a:lstStyle/>
+                    <a:p>
+                      <a:pPr marL="285750" indent="-285750">
+                        <a:buFont typeface="Wingdings" charset="2"/>
+                        <a:buChar char="§"/>
+                      </a:pPr>
+                      <a:r>
+                        <a:rPr lang="en-US" sz="1600" b="1" dirty="0" smtClean="0">
+                          <a:solidFill>
+                            <a:srgbClr val="FF0000"/>
+                          </a:solidFill>
+                        </a:rPr>
+                        <a:t>Searching</a:t>
+                      </a:r>
+                      <a:endParaRPr lang="en-US" sz="1600" b="1" dirty="0">
+                        <a:solidFill>
+                          <a:srgbClr val="FF0000"/>
+                        </a:solidFill>
+                      </a:endParaRPr>
+                    </a:p>
+                  </a:txBody>
+                  <a:tcPr>
+                    <a:lnL w="12700" cmpd="sng">
+                      <a:noFill/>
+                    </a:lnL>
+                    <a:lnR w="12700" cmpd="sng">
+                      <a:noFill/>
+                    </a:lnR>
+                    <a:lnT w="12700" cmpd="sng">
+                      <a:noFill/>
+                    </a:lnT>
+                    <a:lnB w="12700" cmpd="sng">
+                      <a:noFill/>
+                    </a:lnB>
+                    <a:lnTlToBr w="12700" cmpd="sng">
+                      <a:noFill/>
+                      <a:prstDash val="solid"/>
+                    </a:lnTlToBr>
+                    <a:lnBlToTr w="12700" cmpd="sng">
+                      <a:noFill/>
+                      <a:prstDash val="solid"/>
+                    </a:lnBlToTr>
+                    <a:noFill/>
+                  </a:tcPr>
+                </a:tc>
+              </a:tr>
+              <a:tr h="313580">
+                <a:tc>
+                  <a:txBody>
+                    <a:bodyPr/>
+                    <a:lstStyle/>
+                    <a:p>
+                      <a:pPr marL="285750" marR="0" indent="-285750" algn="l" defTabSz="457200" rtl="0" eaLnBrk="1" fontAlgn="auto" latinLnBrk="0" hangingPunct="1">
+                        <a:lnSpc>
+                          <a:spcPct val="100000"/>
+                        </a:lnSpc>
+                        <a:spcBef>
+                          <a:spcPts val="0"/>
+                        </a:spcBef>
+                        <a:spcAft>
+                          <a:spcPts val="0"/>
+                        </a:spcAft>
+                        <a:buClrTx/>
+                        <a:buSzTx/>
+                        <a:buFont typeface="Wingdings" charset="2"/>
+                        <a:buChar char="§"/>
+                        <a:tabLst/>
+                        <a:defRPr/>
+                      </a:pPr>
+                      <a:r>
+                        <a:rPr lang="en-US" sz="1600" b="1" dirty="0" smtClean="0">
+                          <a:solidFill>
+                            <a:srgbClr val="FF0000"/>
+                          </a:solidFill>
+                        </a:rPr>
+                        <a:t>Linked List</a:t>
+                      </a:r>
+                    </a:p>
+                  </a:txBody>
+                  <a:tcPr>
+                    <a:lnL w="12700" cmpd="sng">
+                      <a:noFill/>
+                    </a:lnL>
+                    <a:lnR w="12700" cmpd="sng">
+                      <a:noFill/>
+                    </a:lnR>
+                    <a:lnT w="12700" cmpd="sng">
+                      <a:noFill/>
+                    </a:lnT>
+                    <a:lnB w="12700" cmpd="sng">
+                      <a:noFill/>
+                    </a:lnB>
+                    <a:lnTlToBr w="12700" cmpd="sng">
+                      <a:noFill/>
+                      <a:prstDash val="solid"/>
+                    </a:lnTlToBr>
+                    <a:lnBlToTr w="12700" cmpd="sng">
+                      <a:noFill/>
+                      <a:prstDash val="solid"/>
+                    </a:lnBlToTr>
+                    <a:noFill/>
+                  </a:tcPr>
+                </a:tc>
+                <a:tc>
+                  <a:txBody>
+                    <a:bodyPr/>
+                    <a:lstStyle/>
+                    <a:p>
+                      <a:pPr marL="285750" marR="0" indent="-285750" algn="l" defTabSz="457200" rtl="0" eaLnBrk="1" fontAlgn="auto" latinLnBrk="0" hangingPunct="1">
+                        <a:lnSpc>
+                          <a:spcPct val="100000"/>
+                        </a:lnSpc>
+                        <a:spcBef>
+                          <a:spcPts val="0"/>
+                        </a:spcBef>
+                        <a:spcAft>
+                          <a:spcPts val="0"/>
+                        </a:spcAft>
+                        <a:buClrTx/>
+                        <a:buSzTx/>
+                        <a:buFont typeface="Wingdings" charset="2"/>
+                        <a:buChar char="§"/>
+                        <a:tabLst/>
+                        <a:defRPr/>
+                      </a:pPr>
+                      <a:r>
+                        <a:rPr lang="en-US" sz="1600" b="1" dirty="0" smtClean="0">
+                          <a:solidFill>
+                            <a:srgbClr val="FF0000"/>
+                          </a:solidFill>
+                        </a:rPr>
+                        <a:t>Tries</a:t>
                       </a:r>
                     </a:p>
                   </a:txBody>
@@ -6102,7 +6102,7 @@
                             <a:srgbClr val="FF0000"/>
                           </a:solidFill>
                         </a:rPr>
-                        <a:t>Linked List</a:t>
+                        <a:t>Hash Tables</a:t>
                       </a:r>
                     </a:p>
                   </a:txBody>
